--- a/slides/09 aimsir17/ppt/09 aimsir17.pptx
+++ b/slides/09 aimsir17/ppt/09 aimsir17.pptx
@@ -5468,13 +5468,13 @@
         <p:spPr/>
         <p:txBody>
           <a:bodyPr>
-            <a:normAutofit lnSpcReduction="10000"/>
+            <a:normAutofit fontScale="92500"/>
           </a:bodyPr>
           <a:lstStyle/>
           <a:p>
             <a:r>
               <a:rPr lang="en-US" dirty="0"/>
-              <a:t>Weather (3 stations)</a:t>
+              <a:t>Weather (Pick 3 stations)</a:t>
             </a:r>
           </a:p>
           <a:p>
@@ -5485,10 +5485,20 @@
             </a:r>
           </a:p>
           <a:p>
+            <a:r>
+              <a:rPr lang="en-US"/>
+              <a:t>Overall</a:t>
+            </a:r>
+          </a:p>
+          <a:p>
             <a:pPr lvl="1"/>
             <a:r>
+              <a:rPr lang="en-US"/>
+              <a:t>What </a:t>
+            </a:r>
+            <a:r>
               <a:rPr lang="en-US" dirty="0"/>
-              <a:t>What is the driest month of the year?</a:t>
+              <a:t>is the driest month of the year?</a:t>
             </a:r>
           </a:p>
           <a:p>
@@ -5515,15 +5525,7 @@
             <a:pPr lvl="1"/>
             <a:r>
               <a:rPr lang="en-US" dirty="0"/>
-              <a:t>Which weather station’s average wind speed produces </a:t>
-            </a:r>
-            <a:r>
-              <a:rPr lang="en-US"/>
-              <a:t>the best </a:t>
-            </a:r>
-            <a:r>
-              <a:rPr lang="en-US" dirty="0"/>
-              <a:t>linear model for wind energy generated.</a:t>
+              <a:t>Which weather station’s average wind speed produces the best linear model for wind energy generated.</a:t>
             </a:r>
           </a:p>
           <a:p>
